--- a/Presentations/Week5 - Lasso.pptx
+++ b/Presentations/Week5 - Lasso.pptx
@@ -3644,7 +3644,7 @@
                 <a:latin typeface="Helvetica"/>
                 <a:cs typeface="Helvetica"/>
               </a:rPr>
-              <a:t>Week 2</a:t>
+              <a:t>Week 5</a:t>
             </a:r>
           </a:p>
           <a:p>
@@ -4097,8 +4097,8 @@
         </p:nvSpPr>
         <p:spPr>
           <a:xfrm>
-            <a:off x="429078" y="2493955"/>
-            <a:ext cx="6731000" cy="1476302"/>
+            <a:off x="429078" y="2003717"/>
+            <a:ext cx="6731000" cy="3025444"/>
           </a:xfrm>
           <a:prstGeom prst="rect">
             <a:avLst/>
@@ -4181,7 +4181,91 @@
                 <a:latin typeface="Helvetica"/>
                 <a:cs typeface="Helvetica"/>
               </a:rPr>
-              <a:t>Possibly add more features to perform predictions </a:t>
+              <a:t>Possibly add more features to perform predictions</a:t>
+            </a:r>
+          </a:p>
+          <a:p>
+            <a:pPr marL="342900" indent="-342900">
+              <a:lnSpc>
+                <a:spcPct val="140000"/>
+              </a:lnSpc>
+              <a:spcAft>
+                <a:spcPts val="1000"/>
+              </a:spcAft>
+              <a:buFont typeface="Arial" panose="020B0604020202020204" pitchFamily="34" charset="0"/>
+              <a:buChar char="•"/>
+            </a:pPr>
+            <a:r>
+              <a:rPr lang="en-US" sz="2000" b="1" dirty="0">
+                <a:solidFill>
+                  <a:srgbClr val="3284BF"/>
+                </a:solidFill>
+                <a:latin typeface="Helvetica"/>
+                <a:cs typeface="Helvetica"/>
+              </a:rPr>
+              <a:t>Use more effective regression models besides Random Forest</a:t>
+            </a:r>
+          </a:p>
+          <a:p>
+            <a:pPr marL="342900" indent="-342900">
+              <a:lnSpc>
+                <a:spcPct val="140000"/>
+              </a:lnSpc>
+              <a:spcAft>
+                <a:spcPts val="1000"/>
+              </a:spcAft>
+              <a:buFont typeface="Arial" panose="020B0604020202020204" pitchFamily="34" charset="0"/>
+              <a:buChar char="•"/>
+            </a:pPr>
+            <a:r>
+              <a:rPr lang="en-US" sz="2000" b="1" dirty="0">
+                <a:solidFill>
+                  <a:srgbClr val="3284BF"/>
+                </a:solidFill>
+                <a:latin typeface="Helvetica"/>
+                <a:cs typeface="Helvetica"/>
+              </a:rPr>
+              <a:t>Use 2</a:t>
+            </a:r>
+            <a:r>
+              <a:rPr lang="en-US" sz="2000" b="1" baseline="30000" dirty="0">
+                <a:solidFill>
+                  <a:srgbClr val="3284BF"/>
+                </a:solidFill>
+                <a:latin typeface="Helvetica"/>
+                <a:cs typeface="Helvetica"/>
+              </a:rPr>
+              <a:t>nd</a:t>
+            </a:r>
+            <a:r>
+              <a:rPr lang="en-US" sz="2000" b="1" dirty="0">
+                <a:solidFill>
+                  <a:srgbClr val="3284BF"/>
+                </a:solidFill>
+                <a:latin typeface="Helvetica"/>
+                <a:cs typeface="Helvetica"/>
+              </a:rPr>
+              <a:t> level and 3</a:t>
+            </a:r>
+            <a:r>
+              <a:rPr lang="en-US" sz="2000" b="1" baseline="30000" dirty="0">
+                <a:solidFill>
+                  <a:srgbClr val="3284BF"/>
+                </a:solidFill>
+                <a:latin typeface="Helvetica"/>
+                <a:cs typeface="Helvetica"/>
+              </a:rPr>
+              <a:t>rd</a:t>
+            </a:r>
+            <a:r>
+              <a:rPr lang="en-US" sz="2000" b="1" dirty="0">
+                <a:solidFill>
+                  <a:srgbClr val="3284BF"/>
+                </a:solidFill>
+                <a:latin typeface="Helvetica"/>
+                <a:cs typeface="Helvetica"/>
+              </a:rPr>
+              <a:t> level feature transformations </a:t>
             </a:r>
           </a:p>
         </p:txBody>
